--- a/img/pin_map_2040.pptx
+++ b/img/pin_map_2040.pptx
@@ -3878,8 +3878,8 @@
         </p:nvSpPr>
         <p:spPr>
           <a:xfrm>
-            <a:off x="4486350" y="4072018"/>
-            <a:ext cx="6347976" cy="2308324"/>
+            <a:off x="4486350" y="4135518"/>
+            <a:ext cx="6347976" cy="2205732"/>
           </a:xfrm>
           <a:prstGeom prst="rect">
             <a:avLst/>
@@ -3894,27 +3894,45 @@
           <a:p>
             <a:pPr>
               <a:lnSpc>
-                <a:spcPct val="150000"/>
+                <a:spcPts val="2500"/>
               </a:lnSpc>
             </a:pPr>
             <a:r>
-              <a:rPr lang="en-US" sz="1500">
-                <a:latin typeface="Times New Roman" panose="02020603050405020304" pitchFamily="18" charset="0"/>
-                <a:cs typeface="Times New Roman" panose="02020603050405020304" pitchFamily="18" charset="0"/>
+              <a:rPr lang="en-US" sz="1600">
+                <a:latin typeface="Leelawadee UI" panose="020B0502040204020203" pitchFamily="34" charset="-34"/>
+                <a:ea typeface="Microsoft JhengHei Light" panose="020B0304030504040204" pitchFamily="34" charset="-120"/>
+                <a:cs typeface="Leelawadee UI" panose="020B0502040204020203" pitchFamily="34" charset="-34"/>
               </a:rPr>
-              <a:t>GND: connect the system GND with this module</a:t>
+              <a:t>GND: connect this module </a:t>
+            </a:r>
+            <a:r>
+              <a:rPr lang="en-US" altLang="zh-CN" sz="1600">
+                <a:latin typeface="Leelawadee UI" panose="020B0502040204020203" pitchFamily="34" charset="-34"/>
+                <a:ea typeface="Microsoft JhengHei Light" panose="020B0304030504040204" pitchFamily="34" charset="-120"/>
+                <a:cs typeface="Leelawadee UI" panose="020B0502040204020203" pitchFamily="34" charset="-34"/>
+              </a:rPr>
+              <a:t>to</a:t>
+            </a:r>
+            <a:r>
+              <a:rPr lang="en-US" sz="1600">
+                <a:latin typeface="Leelawadee UI" panose="020B0502040204020203" pitchFamily="34" charset="-34"/>
+                <a:ea typeface="Microsoft JhengHei Light" panose="020B0304030504040204" pitchFamily="34" charset="-120"/>
+                <a:cs typeface="Leelawadee UI" panose="020B0502040204020203" pitchFamily="34" charset="-34"/>
+              </a:rPr>
+              <a:t> the system GND </a:t>
             </a:r>
           </a:p>
           <a:p>
             <a:pPr>
               <a:lnSpc>
-                <a:spcPct val="150000"/>
+                <a:spcPts val="2500"/>
               </a:lnSpc>
             </a:pPr>
             <a:r>
-              <a:rPr lang="en-US" sz="1500">
-                <a:latin typeface="Times New Roman" panose="02020603050405020304" pitchFamily="18" charset="0"/>
-                <a:cs typeface="Times New Roman" panose="02020603050405020304" pitchFamily="18" charset="0"/>
+              <a:rPr lang="en-US" sz="1600">
+                <a:latin typeface="Leelawadee UI" panose="020B0502040204020203" pitchFamily="34" charset="-34"/>
+                <a:ea typeface="Microsoft JhengHei Light" panose="020B0304030504040204" pitchFamily="34" charset="-120"/>
+                <a:cs typeface="Leelawadee UI" panose="020B0502040204020203" pitchFamily="34" charset="-34"/>
               </a:rPr>
               <a:t>VCC: you can use 5V or 3.3V for this module</a:t>
             </a:r>
@@ -3922,29 +3940,31 @@
           <a:p>
             <a:pPr>
               <a:lnSpc>
-                <a:spcPct val="150000"/>
+                <a:spcPts val="2500"/>
               </a:lnSpc>
             </a:pPr>
             <a:r>
-              <a:rPr lang="en-US" sz="1500">
-                <a:latin typeface="Times New Roman" panose="02020603050405020304" pitchFamily="18" charset="0"/>
-                <a:cs typeface="Times New Roman" panose="02020603050405020304" pitchFamily="18" charset="0"/>
+              <a:rPr lang="en-US" sz="1600">
+                <a:latin typeface="Leelawadee UI" panose="020B0502040204020203" pitchFamily="34" charset="-34"/>
+                <a:ea typeface="Microsoft JhengHei Light" panose="020B0304030504040204" pitchFamily="34" charset="-120"/>
+                <a:cs typeface="Leelawadee UI" panose="020B0502040204020203" pitchFamily="34" charset="-34"/>
               </a:rPr>
-              <a:t>NC: none connected in this module</a:t>
+              <a:t>SDA: serial data</a:t>
             </a:r>
           </a:p>
           <a:p>
             <a:pPr>
               <a:lnSpc>
-                <a:spcPct val="150000"/>
+                <a:spcPts val="2500"/>
               </a:lnSpc>
             </a:pPr>
             <a:r>
-              <a:rPr lang="en-US" sz="1500">
-                <a:latin typeface="Times New Roman" panose="02020603050405020304" pitchFamily="18" charset="0"/>
-                <a:cs typeface="Times New Roman" panose="02020603050405020304" pitchFamily="18" charset="0"/>
+              <a:rPr lang="en-US" sz="1600">
+                <a:latin typeface="Leelawadee UI" panose="020B0502040204020203" pitchFamily="34" charset="-34"/>
+                <a:ea typeface="Microsoft JhengHei Light" panose="020B0304030504040204" pitchFamily="34" charset="-120"/>
+                <a:cs typeface="Leelawadee UI" panose="020B0502040204020203" pitchFamily="34" charset="-34"/>
               </a:rPr>
-              <a:t>OUT: output the Vout voltage signal</a:t>
+              <a:t>SCL: serial clock</a:t>
             </a:r>
           </a:p>
           <a:p>

--- a/img/pin_map_2040.pptx
+++ b/img/pin_map_2040.pptx
@@ -3949,8 +3949,21 @@
                 <a:ea typeface="Microsoft JhengHei Light" panose="020B0304030504040204" pitchFamily="34" charset="-120"/>
                 <a:cs typeface="Leelawadee UI" panose="020B0502040204020203" pitchFamily="34" charset="-34"/>
               </a:rPr>
-              <a:t>SDA: serial data</a:t>
-            </a:r>
+              <a:t>NC: </a:t>
+            </a:r>
+            <a:r>
+              <a:rPr lang="en-US" altLang="zh-CN" sz="1600">
+                <a:latin typeface="Leelawadee UI" panose="020B0502040204020203" pitchFamily="34" charset="-34"/>
+                <a:ea typeface="Microsoft JhengHei Light" panose="020B0304030504040204" pitchFamily="34" charset="-120"/>
+                <a:cs typeface="Leelawadee UI" panose="020B0502040204020203" pitchFamily="34" charset="-34"/>
+              </a:rPr>
+              <a:t>none connected in this module</a:t>
+            </a:r>
+            <a:endParaRPr lang="en-US" sz="1600">
+              <a:latin typeface="Leelawadee UI" panose="020B0502040204020203" pitchFamily="34" charset="-34"/>
+              <a:ea typeface="Microsoft JhengHei Light" panose="020B0304030504040204" pitchFamily="34" charset="-120"/>
+              <a:cs typeface="Leelawadee UI" panose="020B0502040204020203" pitchFamily="34" charset="-34"/>
+            </a:endParaRPr>
           </a:p>
           <a:p>
             <a:pPr>
@@ -3964,7 +3977,7 @@
                 <a:ea typeface="Microsoft JhengHei Light" panose="020B0304030504040204" pitchFamily="34" charset="-120"/>
                 <a:cs typeface="Leelawadee UI" panose="020B0502040204020203" pitchFamily="34" charset="-34"/>
               </a:rPr>
-              <a:t>SCL: serial clock</a:t>
+              <a:t>OUT: output the Vout voltage signal</a:t>
             </a:r>
           </a:p>
           <a:p>
